--- a/slides/python_libraries.pptx
+++ b/slides/python_libraries.pptx
@@ -4198,9 +4198,54 @@
             </a:endParaRPr>
           </a:p>
           <a:p>
+            <a:pPr marL="0" indent="0">
+              <a:buNone/>
+            </a:pPr>
             <a:endParaRPr lang="en-CA" sz="2000" dirty="0">
               <a:latin typeface="+mj-lt"/>
             </a:endParaRPr>
+          </a:p>
+        </p:txBody>
+      </p:sp>
+      <p:sp>
+        <p:nvSpPr>
+          <p:cNvPr id="4" name="TextBox 3">
+            <a:extLst>
+              <a:ext uri="{FF2B5EF4-FFF2-40B4-BE49-F238E27FC236}">
+                <a16:creationId xmlns:a16="http://schemas.microsoft.com/office/drawing/2014/main" id="{FC1F5235-9100-650E-92A1-7E24916B05B0}"/>
+              </a:ext>
+            </a:extLst>
+          </p:cNvPr>
+          <p:cNvSpPr txBox="1"/>
+          <p:nvPr/>
+        </p:nvSpPr>
+        <p:spPr>
+          <a:xfrm>
+            <a:off x="4294760" y="5710136"/>
+            <a:ext cx="3798651" cy="369332"/>
+          </a:xfrm>
+          <a:prstGeom prst="rect">
+            <a:avLst/>
+          </a:prstGeom>
+          <a:noFill/>
+        </p:spPr>
+        <p:txBody>
+          <a:bodyPr wrap="square" rtlCol="0">
+            <a:spAutoFit/>
+          </a:bodyPr>
+          <a:lstStyle/>
+          <a:p>
+            <a:r>
+              <a:rPr lang="en-US" dirty="0"/>
+              <a:t>Demo codes can be found </a:t>
+            </a:r>
+            <a:r>
+              <a:rPr lang="en-US" dirty="0">
+                <a:hlinkClick r:id="rId2"/>
+              </a:rPr>
+              <a:t>here</a:t>
+            </a:r>
+            <a:endParaRPr lang="en-CA" dirty="0"/>
           </a:p>
         </p:txBody>
       </p:sp>
@@ -4929,6 +4974,48 @@
             <a:endParaRPr lang="en-CA" sz="2000" dirty="0">
               <a:latin typeface="+mj-lt"/>
             </a:endParaRPr>
+          </a:p>
+        </p:txBody>
+      </p:sp>
+      <p:sp>
+        <p:nvSpPr>
+          <p:cNvPr id="4" name="TextBox 3">
+            <a:extLst>
+              <a:ext uri="{FF2B5EF4-FFF2-40B4-BE49-F238E27FC236}">
+                <a16:creationId xmlns:a16="http://schemas.microsoft.com/office/drawing/2014/main" id="{AEB30DB9-3CC0-B422-CC14-8ACD41455E29}"/>
+              </a:ext>
+            </a:extLst>
+          </p:cNvPr>
+          <p:cNvSpPr txBox="1"/>
+          <p:nvPr/>
+        </p:nvSpPr>
+        <p:spPr>
+          <a:xfrm>
+            <a:off x="4294760" y="5710136"/>
+            <a:ext cx="3798651" cy="369332"/>
+          </a:xfrm>
+          <a:prstGeom prst="rect">
+            <a:avLst/>
+          </a:prstGeom>
+          <a:noFill/>
+        </p:spPr>
+        <p:txBody>
+          <a:bodyPr wrap="square" rtlCol="0">
+            <a:spAutoFit/>
+          </a:bodyPr>
+          <a:lstStyle/>
+          <a:p>
+            <a:r>
+              <a:rPr lang="en-US" dirty="0"/>
+              <a:t>Demo codes can be found </a:t>
+            </a:r>
+            <a:r>
+              <a:rPr lang="en-US" dirty="0">
+                <a:hlinkClick r:id="rId2"/>
+              </a:rPr>
+              <a:t>here</a:t>
+            </a:r>
+            <a:endParaRPr lang="en-CA" dirty="0"/>
           </a:p>
         </p:txBody>
       </p:sp>
